--- a/30脫離罪惡.pptx
+++ b/30脫離罪惡.pptx
@@ -7,13 +7,12 @@
   <p:sldIdLst>
     <p:sldId id="256" r:id="rId2"/>
     <p:sldId id="257" r:id="rId3"/>
-    <p:sldId id="262" r:id="rId4"/>
-    <p:sldId id="258" r:id="rId5"/>
-    <p:sldId id="259" r:id="rId6"/>
-    <p:sldId id="260" r:id="rId7"/>
-    <p:sldId id="261" r:id="rId8"/>
+    <p:sldId id="258" r:id="rId4"/>
+    <p:sldId id="259" r:id="rId5"/>
+    <p:sldId id="260" r:id="rId6"/>
+    <p:sldId id="261" r:id="rId7"/>
   </p:sldIdLst>
-  <p:sldSz cx="9144000" cy="6858000" type="screen4x3"/>
+  <p:sldSz cx="9144000" cy="5143500" type="screen16x9"/>
   <p:notesSz cx="6858000" cy="9144000"/>
   <p:defaultTextStyle>
     <a:defPPr>
@@ -147,8 +146,8 @@
         </p:nvSpPr>
         <p:spPr>
           <a:xfrm>
-            <a:off x="2286000" y="3124200"/>
-            <a:ext cx="6172200" cy="1894362"/>
+            <a:off x="2286000" y="2343150"/>
+            <a:ext cx="6172200" cy="1420772"/>
           </a:xfrm>
         </p:spPr>
         <p:txBody>
@@ -179,8 +178,8 @@
         </p:nvSpPr>
         <p:spPr>
           <a:xfrm>
-            <a:off x="2286000" y="5003322"/>
-            <a:ext cx="6172200" cy="1371600"/>
+            <a:off x="2286000" y="3752492"/>
+            <a:ext cx="6172200" cy="1028700"/>
           </a:xfrm>
         </p:spPr>
         <p:txBody>
@@ -240,8 +239,8 @@
         </p:nvSpPr>
         <p:spPr bwMode="auto">
           <a:xfrm rot="5400000">
-            <a:off x="7764621" y="1174097"/>
-            <a:ext cx="2286000" cy="381000"/>
+            <a:off x="8050371" y="832948"/>
+            <a:ext cx="1714500" cy="381000"/>
           </a:xfrm>
         </p:spPr>
         <p:txBody>
@@ -251,7 +250,7 @@
             <a:fld id="{86B5546F-C09B-4E63-ABC5-F7C86A7E8D66}" type="datetimeFigureOut">
               <a:rPr lang="en-US" smtClean="0"/>
               <a:pPr/>
-              <a:t>8/20/2017</a:t>
+              <a:t>9/28/2019</a:t>
             </a:fld>
             <a:endParaRPr lang="en-US"/>
           </a:p>
@@ -269,8 +268,8 @@
         </p:nvSpPr>
         <p:spPr bwMode="auto">
           <a:xfrm rot="5400000">
-            <a:off x="7077269" y="4181669"/>
-            <a:ext cx="3657600" cy="384048"/>
+            <a:off x="7534469" y="3088246"/>
+            <a:ext cx="2743200" cy="384048"/>
           </a:xfrm>
         </p:spPr>
         <p:txBody>
@@ -290,7 +289,7 @@
         <p:spPr bwMode="auto">
           <a:xfrm>
             <a:off x="381000" y="0"/>
-            <a:ext cx="609600" cy="6858000"/>
+            <a:ext cx="609600" cy="5143500"/>
           </a:xfrm>
           <a:prstGeom prst="rect">
             <a:avLst/>
@@ -339,7 +338,7 @@
         <p:spPr bwMode="auto">
           <a:xfrm>
             <a:off x="276336" y="0"/>
-            <a:ext cx="104664" cy="6858000"/>
+            <a:ext cx="104664" cy="5143500"/>
           </a:xfrm>
           <a:prstGeom prst="rect">
             <a:avLst/>
@@ -388,7 +387,7 @@
         <p:spPr bwMode="auto">
           <a:xfrm>
             <a:off x="990600" y="0"/>
-            <a:ext cx="181872" cy="6858000"/>
+            <a:ext cx="181872" cy="5143500"/>
           </a:xfrm>
           <a:prstGeom prst="rect">
             <a:avLst/>
@@ -437,7 +436,7 @@
         <p:spPr bwMode="auto">
           <a:xfrm>
             <a:off x="1141320" y="0"/>
-            <a:ext cx="230280" cy="6858000"/>
+            <a:ext cx="230280" cy="5143500"/>
           </a:xfrm>
           <a:prstGeom prst="rect">
             <a:avLst/>
@@ -488,7 +487,7 @@
         <p:spPr bwMode="auto">
           <a:xfrm>
             <a:off x="106344" y="0"/>
-            <a:ext cx="0" cy="6858000"/>
+            <a:ext cx="0" cy="5143500"/>
           </a:xfrm>
           <a:prstGeom prst="line">
             <a:avLst/>
@@ -527,7 +526,7 @@
         <p:spPr bwMode="auto">
           <a:xfrm>
             <a:off x="914400" y="0"/>
-            <a:ext cx="0" cy="6858000"/>
+            <a:ext cx="0" cy="5143500"/>
           </a:xfrm>
           <a:prstGeom prst="line">
             <a:avLst/>
@@ -566,7 +565,7 @@
         <p:spPr bwMode="auto">
           <a:xfrm>
             <a:off x="854112" y="0"/>
-            <a:ext cx="0" cy="6858000"/>
+            <a:ext cx="0" cy="5143500"/>
           </a:xfrm>
           <a:prstGeom prst="line">
             <a:avLst/>
@@ -604,7 +603,7 @@
         <p:spPr bwMode="auto">
           <a:xfrm>
             <a:off x="1726640" y="0"/>
-            <a:ext cx="0" cy="6858000"/>
+            <a:ext cx="0" cy="5143500"/>
           </a:xfrm>
           <a:prstGeom prst="line">
             <a:avLst/>
@@ -643,7 +642,7 @@
         <p:spPr bwMode="auto">
           <a:xfrm>
             <a:off x="1066800" y="0"/>
-            <a:ext cx="0" cy="6858000"/>
+            <a:ext cx="0" cy="5143500"/>
           </a:xfrm>
           <a:prstGeom prst="line">
             <a:avLst/>
@@ -681,7 +680,7 @@
         <p:spPr bwMode="auto">
           <a:xfrm>
             <a:off x="9113856" y="0"/>
-            <a:ext cx="0" cy="6858000"/>
+            <a:ext cx="0" cy="5143500"/>
           </a:xfrm>
           <a:prstGeom prst="line">
             <a:avLst/>
@@ -717,7 +716,7 @@
         <p:spPr bwMode="auto">
           <a:xfrm>
             <a:off x="1219200" y="0"/>
-            <a:ext cx="76200" cy="6858000"/>
+            <a:ext cx="76200" cy="5143500"/>
           </a:xfrm>
           <a:prstGeom prst="rect">
             <a:avLst/>
@@ -765,8 +764,8 @@
         </p:nvSpPr>
         <p:spPr bwMode="auto">
           <a:xfrm>
-            <a:off x="609600" y="3429000"/>
-            <a:ext cx="1295400" cy="1295400"/>
+            <a:off x="609600" y="2571750"/>
+            <a:ext cx="1295400" cy="971550"/>
           </a:xfrm>
           <a:prstGeom prst="ellipse">
             <a:avLst/>
@@ -811,8 +810,8 @@
         </p:nvSpPr>
         <p:spPr bwMode="auto">
           <a:xfrm>
-            <a:off x="1309632" y="4866752"/>
-            <a:ext cx="641424" cy="641424"/>
+            <a:off x="1309632" y="3650064"/>
+            <a:ext cx="641424" cy="481068"/>
           </a:xfrm>
           <a:prstGeom prst="ellipse">
             <a:avLst/>
@@ -854,8 +853,8 @@
         </p:nvSpPr>
         <p:spPr bwMode="auto">
           <a:xfrm>
-            <a:off x="1091080" y="5500632"/>
-            <a:ext cx="137160" cy="137160"/>
+            <a:off x="1091080" y="4125474"/>
+            <a:ext cx="137160" cy="102870"/>
           </a:xfrm>
           <a:prstGeom prst="ellipse">
             <a:avLst/>
@@ -897,8 +896,8 @@
         </p:nvSpPr>
         <p:spPr bwMode="auto">
           <a:xfrm>
-            <a:off x="1664208" y="5788152"/>
-            <a:ext cx="274320" cy="274320"/>
+            <a:off x="1664208" y="4341114"/>
+            <a:ext cx="274320" cy="205740"/>
           </a:xfrm>
           <a:prstGeom prst="ellipse">
             <a:avLst/>
@@ -940,8 +939,8 @@
         </p:nvSpPr>
         <p:spPr>
           <a:xfrm>
-            <a:off x="1905000" y="4495800"/>
-            <a:ext cx="365760" cy="365760"/>
+            <a:off x="1905000" y="3371850"/>
+            <a:ext cx="365760" cy="274320"/>
           </a:xfrm>
           <a:prstGeom prst="ellipse">
             <a:avLst/>
@@ -987,8 +986,8 @@
         </p:nvSpPr>
         <p:spPr bwMode="auto">
           <a:xfrm>
-            <a:off x="1325544" y="4928702"/>
-            <a:ext cx="609600" cy="517524"/>
+            <a:off x="1325544" y="3696527"/>
+            <a:ext cx="609600" cy="388143"/>
           </a:xfrm>
         </p:spPr>
         <p:txBody>
@@ -1122,7 +1121,7 @@
             <a:fld id="{86B5546F-C09B-4E63-ABC5-F7C86A7E8D66}" type="datetimeFigureOut">
               <a:rPr lang="en-US" smtClean="0"/>
               <a:pPr/>
-              <a:t>8/20/2017</a:t>
+              <a:t>9/28/2019</a:t>
             </a:fld>
             <a:endParaRPr lang="en-US"/>
           </a:p>
@@ -1208,8 +1207,8 @@
         </p:nvSpPr>
         <p:spPr>
           <a:xfrm>
-            <a:off x="6629400" y="274639"/>
-            <a:ext cx="1676400" cy="5851525"/>
+            <a:off x="6629400" y="205980"/>
+            <a:ext cx="1676400" cy="4388644"/>
           </a:xfrm>
         </p:spPr>
         <p:txBody>
@@ -1236,8 +1235,8 @@
         </p:nvSpPr>
         <p:spPr>
           <a:xfrm>
-            <a:off x="457200" y="274638"/>
-            <a:ext cx="6019800" cy="5851525"/>
+            <a:off x="457200" y="205979"/>
+            <a:ext cx="6019800" cy="4388644"/>
           </a:xfrm>
         </p:spPr>
         <p:txBody>
@@ -1299,7 +1298,7 @@
             <a:fld id="{86B5546F-C09B-4E63-ABC5-F7C86A7E8D66}" type="datetimeFigureOut">
               <a:rPr lang="en-US" smtClean="0"/>
               <a:pPr/>
-              <a:t>8/20/2017</a:t>
+              <a:t>9/28/2019</a:t>
             </a:fld>
             <a:endParaRPr lang="en-US"/>
           </a:p>
@@ -1408,8 +1407,8 @@
         </p:nvSpPr>
         <p:spPr>
           <a:xfrm>
-            <a:off x="457200" y="1600200"/>
-            <a:ext cx="7467600" cy="4873752"/>
+            <a:off x="457200" y="1200150"/>
+            <a:ext cx="7467600" cy="3655314"/>
           </a:xfrm>
         </p:spPr>
         <p:txBody>
@@ -1471,7 +1470,7 @@
             <a:fld id="{86B5546F-C09B-4E63-ABC5-F7C86A7E8D66}" type="datetimeFigureOut">
               <a:rPr lang="en-US" smtClean="0"/>
               <a:pPr/>
-              <a:t>8/20/2017</a:t>
+              <a:t>9/28/2019</a:t>
             </a:fld>
             <a:endParaRPr lang="en-US"/>
           </a:p>
@@ -1562,8 +1561,8 @@
         </p:nvSpPr>
         <p:spPr>
           <a:xfrm>
-            <a:off x="2286000" y="2895600"/>
-            <a:ext cx="6172200" cy="2053590"/>
+            <a:off x="2286000" y="2171700"/>
+            <a:ext cx="6172200" cy="1540193"/>
           </a:xfrm>
         </p:spPr>
         <p:txBody>
@@ -1595,8 +1594,8 @@
         </p:nvSpPr>
         <p:spPr>
           <a:xfrm>
-            <a:off x="2286000" y="5010150"/>
-            <a:ext cx="6172200" cy="1371600"/>
+            <a:off x="2286000" y="3757613"/>
+            <a:ext cx="6172200" cy="1028700"/>
           </a:xfrm>
         </p:spPr>
         <p:txBody>
@@ -1672,8 +1671,8 @@
         </p:nvSpPr>
         <p:spPr bwMode="auto">
           <a:xfrm rot="5400000">
-            <a:off x="7763256" y="1170432"/>
-            <a:ext cx="2286000" cy="381000"/>
+            <a:off x="8049006" y="830199"/>
+            <a:ext cx="1714500" cy="381000"/>
           </a:xfrm>
         </p:spPr>
         <p:txBody>
@@ -1683,7 +1682,7 @@
             <a:fld id="{86B5546F-C09B-4E63-ABC5-F7C86A7E8D66}" type="datetimeFigureOut">
               <a:rPr lang="en-US" smtClean="0"/>
               <a:pPr/>
-              <a:t>8/20/2017</a:t>
+              <a:t>9/28/2019</a:t>
             </a:fld>
             <a:endParaRPr lang="en-US"/>
           </a:p>
@@ -1701,8 +1700,8 @@
         </p:nvSpPr>
         <p:spPr bwMode="auto">
           <a:xfrm rot="5400000">
-            <a:off x="7077456" y="4178808"/>
-            <a:ext cx="3657600" cy="384048"/>
+            <a:off x="7534656" y="3086100"/>
+            <a:ext cx="2743200" cy="384048"/>
           </a:xfrm>
         </p:spPr>
         <p:txBody>
@@ -1722,7 +1721,7 @@
         <p:spPr bwMode="auto">
           <a:xfrm>
             <a:off x="381000" y="0"/>
-            <a:ext cx="609600" cy="6858000"/>
+            <a:ext cx="609600" cy="5143500"/>
           </a:xfrm>
           <a:prstGeom prst="rect">
             <a:avLst/>
@@ -1771,7 +1770,7 @@
         <p:spPr bwMode="auto">
           <a:xfrm>
             <a:off x="276336" y="0"/>
-            <a:ext cx="104664" cy="6858000"/>
+            <a:ext cx="104664" cy="5143500"/>
           </a:xfrm>
           <a:prstGeom prst="rect">
             <a:avLst/>
@@ -1820,7 +1819,7 @@
         <p:spPr bwMode="auto">
           <a:xfrm>
             <a:off x="990600" y="0"/>
-            <a:ext cx="181872" cy="6858000"/>
+            <a:ext cx="181872" cy="5143500"/>
           </a:xfrm>
           <a:prstGeom prst="rect">
             <a:avLst/>
@@ -1869,7 +1868,7 @@
         <p:spPr bwMode="auto">
           <a:xfrm>
             <a:off x="1141320" y="0"/>
-            <a:ext cx="230280" cy="6858000"/>
+            <a:ext cx="230280" cy="5143500"/>
           </a:xfrm>
           <a:prstGeom prst="rect">
             <a:avLst/>
@@ -1920,7 +1919,7 @@
         <p:spPr bwMode="auto">
           <a:xfrm>
             <a:off x="106344" y="0"/>
-            <a:ext cx="0" cy="6858000"/>
+            <a:ext cx="0" cy="5143500"/>
           </a:xfrm>
           <a:prstGeom prst="line">
             <a:avLst/>
@@ -1959,7 +1958,7 @@
         <p:spPr bwMode="auto">
           <a:xfrm>
             <a:off x="914400" y="0"/>
-            <a:ext cx="0" cy="6858000"/>
+            <a:ext cx="0" cy="5143500"/>
           </a:xfrm>
           <a:prstGeom prst="line">
             <a:avLst/>
@@ -1998,7 +1997,7 @@
         <p:spPr bwMode="auto">
           <a:xfrm>
             <a:off x="854112" y="0"/>
-            <a:ext cx="0" cy="6858000"/>
+            <a:ext cx="0" cy="5143500"/>
           </a:xfrm>
           <a:prstGeom prst="line">
             <a:avLst/>
@@ -2036,7 +2035,7 @@
         <p:spPr bwMode="auto">
           <a:xfrm>
             <a:off x="1726640" y="0"/>
-            <a:ext cx="0" cy="6858000"/>
+            <a:ext cx="0" cy="5143500"/>
           </a:xfrm>
           <a:prstGeom prst="line">
             <a:avLst/>
@@ -2075,7 +2074,7 @@
         <p:spPr bwMode="auto">
           <a:xfrm>
             <a:off x="1066800" y="0"/>
-            <a:ext cx="0" cy="6858000"/>
+            <a:ext cx="0" cy="5143500"/>
           </a:xfrm>
           <a:prstGeom prst="line">
             <a:avLst/>
@@ -2111,7 +2110,7 @@
         <p:spPr bwMode="auto">
           <a:xfrm>
             <a:off x="1219200" y="0"/>
-            <a:ext cx="76200" cy="6858000"/>
+            <a:ext cx="76200" cy="5143500"/>
           </a:xfrm>
           <a:prstGeom prst="rect">
             <a:avLst/>
@@ -2159,8 +2158,8 @@
         </p:nvSpPr>
         <p:spPr bwMode="auto">
           <a:xfrm>
-            <a:off x="609600" y="3429000"/>
-            <a:ext cx="1295400" cy="1295400"/>
+            <a:off x="609600" y="2571750"/>
+            <a:ext cx="1295400" cy="971550"/>
           </a:xfrm>
           <a:prstGeom prst="ellipse">
             <a:avLst/>
@@ -2202,8 +2201,8 @@
         </p:nvSpPr>
         <p:spPr bwMode="auto">
           <a:xfrm>
-            <a:off x="1324704" y="4866752"/>
-            <a:ext cx="641424" cy="641424"/>
+            <a:off x="1324704" y="3650064"/>
+            <a:ext cx="641424" cy="481068"/>
           </a:xfrm>
           <a:prstGeom prst="ellipse">
             <a:avLst/>
@@ -2245,8 +2244,8 @@
         </p:nvSpPr>
         <p:spPr bwMode="auto">
           <a:xfrm>
-            <a:off x="1091080" y="5500632"/>
-            <a:ext cx="137160" cy="137160"/>
+            <a:off x="1091080" y="4125474"/>
+            <a:ext cx="137160" cy="102870"/>
           </a:xfrm>
           <a:prstGeom prst="ellipse">
             <a:avLst/>
@@ -2288,8 +2287,8 @@
         </p:nvSpPr>
         <p:spPr bwMode="auto">
           <a:xfrm>
-            <a:off x="1664208" y="5791200"/>
-            <a:ext cx="274320" cy="274320"/>
+            <a:off x="1664208" y="4343400"/>
+            <a:ext cx="274320" cy="205740"/>
           </a:xfrm>
           <a:prstGeom prst="ellipse">
             <a:avLst/>
@@ -2331,8 +2330,8 @@
         </p:nvSpPr>
         <p:spPr bwMode="auto">
           <a:xfrm>
-            <a:off x="1879040" y="4479888"/>
-            <a:ext cx="365760" cy="365760"/>
+            <a:off x="1879040" y="3359916"/>
+            <a:ext cx="365760" cy="274320"/>
           </a:xfrm>
           <a:prstGeom prst="ellipse">
             <a:avLst/>
@@ -2377,7 +2376,7 @@
         <p:spPr bwMode="auto">
           <a:xfrm>
             <a:off x="9097944" y="0"/>
-            <a:ext cx="0" cy="6858000"/>
+            <a:ext cx="0" cy="5143500"/>
           </a:xfrm>
           <a:prstGeom prst="line">
             <a:avLst/>
@@ -2416,8 +2415,8 @@
         </p:nvSpPr>
         <p:spPr bwMode="auto">
           <a:xfrm>
-            <a:off x="1340616" y="4928702"/>
-            <a:ext cx="609600" cy="517524"/>
+            <a:off x="1340616" y="3696527"/>
+            <a:ext cx="609600" cy="388143"/>
           </a:xfrm>
         </p:spPr>
         <p:txBody>
@@ -2499,7 +2498,7 @@
             <a:fld id="{86B5546F-C09B-4E63-ABC5-F7C86A7E8D66}" type="datetimeFigureOut">
               <a:rPr lang="en-US" smtClean="0"/>
               <a:pPr/>
-              <a:t>8/20/2017</a:t>
+              <a:t>9/28/2019</a:t>
             </a:fld>
             <a:endParaRPr lang="en-US"/>
           </a:p>
@@ -2560,8 +2559,8 @@
         </p:nvSpPr>
         <p:spPr>
           <a:xfrm>
-            <a:off x="457200" y="1600200"/>
-            <a:ext cx="3657600" cy="4572000"/>
+            <a:off x="457200" y="1200150"/>
+            <a:ext cx="3657600" cy="3429000"/>
           </a:xfrm>
         </p:spPr>
         <p:txBody>
@@ -2617,8 +2616,8 @@
         </p:nvSpPr>
         <p:spPr>
           <a:xfrm>
-            <a:off x="4270248" y="1600200"/>
-            <a:ext cx="3657600" cy="4572000"/>
+            <a:off x="4270248" y="1200150"/>
+            <a:ext cx="3657600" cy="3429000"/>
           </a:xfrm>
         </p:spPr>
         <p:txBody>
@@ -2699,8 +2698,8 @@
         </p:nvSpPr>
         <p:spPr>
           <a:xfrm>
-            <a:off x="457200" y="273050"/>
-            <a:ext cx="7543800" cy="1143000"/>
+            <a:off x="457200" y="204788"/>
+            <a:ext cx="7543800" cy="857250"/>
           </a:xfrm>
         </p:spPr>
         <p:txBody>
@@ -2737,7 +2736,7 @@
             <a:fld id="{86B5546F-C09B-4E63-ABC5-F7C86A7E8D66}" type="datetimeFigureOut">
               <a:rPr lang="en-US" smtClean="0"/>
               <a:pPr/>
-              <a:t>8/20/2017</a:t>
+              <a:t>9/28/2019</a:t>
             </a:fld>
             <a:endParaRPr lang="en-US"/>
           </a:p>
@@ -2798,8 +2797,8 @@
         </p:nvSpPr>
         <p:spPr>
           <a:xfrm>
-            <a:off x="457200" y="2362200"/>
-            <a:ext cx="3657600" cy="3886200"/>
+            <a:off x="457200" y="1771650"/>
+            <a:ext cx="3657600" cy="2914650"/>
           </a:xfrm>
         </p:spPr>
         <p:txBody>
@@ -2855,8 +2854,8 @@
         </p:nvSpPr>
         <p:spPr>
           <a:xfrm>
-            <a:off x="4371975" y="2362200"/>
-            <a:ext cx="3657600" cy="3886200"/>
+            <a:off x="4371975" y="1771650"/>
+            <a:ext cx="3657600" cy="2914650"/>
           </a:xfrm>
         </p:spPr>
         <p:txBody>
@@ -2912,8 +2911,8 @@
         </p:nvSpPr>
         <p:spPr>
           <a:xfrm>
-            <a:off x="457200" y="1569720"/>
-            <a:ext cx="3657600" cy="658368"/>
+            <a:off x="457200" y="1177290"/>
+            <a:ext cx="3657600" cy="493776"/>
           </a:xfrm>
           <a:prstGeom prst="roundRect">
             <a:avLst>
@@ -2960,8 +2959,8 @@
         </p:nvSpPr>
         <p:spPr>
           <a:xfrm>
-            <a:off x="4343400" y="1569720"/>
-            <a:ext cx="3657600" cy="658368"/>
+            <a:off x="4343400" y="1177290"/>
+            <a:ext cx="3657600" cy="493776"/>
           </a:xfrm>
           <a:prstGeom prst="roundRect">
             <a:avLst>
@@ -3062,7 +3061,7 @@
             <a:fld id="{86B5546F-C09B-4E63-ABC5-F7C86A7E8D66}" type="datetimeFigureOut">
               <a:rPr lang="en-US" smtClean="0"/>
               <a:pPr/>
-              <a:t>8/20/2017</a:t>
+              <a:t>9/28/2019</a:t>
             </a:fld>
             <a:endParaRPr lang="en-US"/>
           </a:p>
@@ -3154,7 +3153,7 @@
             <a:fld id="{86B5546F-C09B-4E63-ABC5-F7C86A7E8D66}" type="datetimeFigureOut">
               <a:rPr lang="en-US" smtClean="0"/>
               <a:pPr/>
-              <a:t>8/20/2017</a:t>
+              <a:t>9/28/2019</a:t>
             </a:fld>
             <a:endParaRPr lang="en-US"/>
           </a:p>
@@ -3244,7 +3243,7 @@
         <p:spPr bwMode="auto">
           <a:xfrm>
             <a:off x="8763000" y="0"/>
-            <a:ext cx="0" cy="6858000"/>
+            <a:ext cx="0" cy="5143500"/>
           </a:xfrm>
           <a:prstGeom prst="line">
             <a:avLst/>
@@ -3284,8 +3283,8 @@
         </p:nvSpPr>
         <p:spPr>
           <a:xfrm rot="5400000">
-            <a:off x="3371850" y="3200400"/>
-            <a:ext cx="6309360" cy="457200"/>
+            <a:off x="4160520" y="2343150"/>
+            <a:ext cx="4732020" cy="457200"/>
           </a:xfrm>
         </p:spPr>
         <p:txBody>
@@ -3317,8 +3316,8 @@
         </p:nvSpPr>
         <p:spPr>
           <a:xfrm>
-            <a:off x="6812280" y="274320"/>
-            <a:ext cx="1527048" cy="4983480"/>
+            <a:off x="6812280" y="205740"/>
+            <a:ext cx="1527048" cy="3737610"/>
           </a:xfrm>
         </p:spPr>
         <p:txBody>
@@ -3371,7 +3370,7 @@
         <p:spPr bwMode="auto">
           <a:xfrm>
             <a:off x="6248400" y="0"/>
-            <a:ext cx="0" cy="6858000"/>
+            <a:ext cx="0" cy="5143500"/>
           </a:xfrm>
           <a:prstGeom prst="line">
             <a:avLst/>
@@ -3409,7 +3408,7 @@
         <p:spPr bwMode="auto">
           <a:xfrm>
             <a:off x="6192296" y="0"/>
-            <a:ext cx="0" cy="6858000"/>
+            <a:ext cx="0" cy="5143500"/>
           </a:xfrm>
           <a:prstGeom prst="line">
             <a:avLst/>
@@ -3445,7 +3444,7 @@
         <p:spPr bwMode="auto">
           <a:xfrm>
             <a:off x="8991600" y="0"/>
-            <a:ext cx="0" cy="6858000"/>
+            <a:ext cx="0" cy="5143500"/>
           </a:xfrm>
           <a:prstGeom prst="line">
             <a:avLst/>
@@ -3479,7 +3478,7 @@
         <p:spPr bwMode="auto">
           <a:xfrm>
             <a:off x="8839200" y="0"/>
-            <a:ext cx="304800" cy="6858000"/>
+            <a:ext cx="304800" cy="5143500"/>
           </a:xfrm>
           <a:prstGeom prst="rect">
             <a:avLst/>
@@ -3530,7 +3529,7 @@
         <p:spPr bwMode="auto">
           <a:xfrm>
             <a:off x="8915400" y="0"/>
-            <a:ext cx="0" cy="6858000"/>
+            <a:ext cx="0" cy="5143500"/>
           </a:xfrm>
           <a:prstGeom prst="line">
             <a:avLst/>
@@ -3563,8 +3562,8 @@
         </p:nvSpPr>
         <p:spPr>
           <a:xfrm>
-            <a:off x="8156448" y="5715000"/>
-            <a:ext cx="548640" cy="548640"/>
+            <a:off x="8156448" y="4286250"/>
+            <a:ext cx="548640" cy="411480"/>
           </a:xfrm>
           <a:prstGeom prst="ellipse">
             <a:avLst/>
@@ -3610,8 +3609,8 @@
         </p:nvSpPr>
         <p:spPr>
           <a:xfrm>
-            <a:off x="304800" y="274320"/>
-            <a:ext cx="5638800" cy="6327648"/>
+            <a:off x="304800" y="205740"/>
+            <a:ext cx="5638800" cy="4745736"/>
           </a:xfrm>
         </p:spPr>
         <p:txBody>
@@ -3673,7 +3672,7 @@
             <a:fld id="{86B5546F-C09B-4E63-ABC5-F7C86A7E8D66}" type="datetimeFigureOut">
               <a:rPr lang="en-US" smtClean="0"/>
               <a:pPr/>
-              <a:t>8/20/2017</a:t>
+              <a:t>9/28/2019</a:t>
             </a:fld>
             <a:endParaRPr lang="en-US"/>
           </a:p>
@@ -3758,7 +3757,7 @@
         <p:spPr bwMode="auto">
           <a:xfrm>
             <a:off x="8763000" y="0"/>
-            <a:ext cx="0" cy="6858000"/>
+            <a:ext cx="0" cy="5143500"/>
           </a:xfrm>
           <a:prstGeom prst="line">
             <a:avLst/>
@@ -3793,8 +3792,8 @@
         </p:nvSpPr>
         <p:spPr>
           <a:xfrm>
-            <a:off x="8156448" y="5715000"/>
-            <a:ext cx="548640" cy="548640"/>
+            <a:off x="8156448" y="4286250"/>
+            <a:ext cx="548640" cy="411480"/>
           </a:xfrm>
           <a:prstGeom prst="ellipse">
             <a:avLst/>
@@ -3840,8 +3839,8 @@
         </p:nvSpPr>
         <p:spPr>
           <a:xfrm rot="5400000">
-            <a:off x="3350133" y="3200400"/>
-            <a:ext cx="6309360" cy="457200"/>
+            <a:off x="4138803" y="2343150"/>
+            <a:ext cx="4732020" cy="457200"/>
           </a:xfrm>
         </p:spPr>
         <p:txBody>
@@ -3874,7 +3873,7 @@
         <p:spPr>
           <a:xfrm>
             <a:off x="0" y="0"/>
-            <a:ext cx="6172200" cy="6858000"/>
+            <a:ext cx="6172200" cy="5143500"/>
           </a:xfrm>
           <a:solidFill>
             <a:schemeClr val="bg2"/>
@@ -3932,8 +3931,8 @@
         </p:nvSpPr>
         <p:spPr>
           <a:xfrm>
-            <a:off x="6765798" y="264795"/>
-            <a:ext cx="1524000" cy="4956048"/>
+            <a:off x="6765798" y="198596"/>
+            <a:ext cx="1524000" cy="3717036"/>
           </a:xfrm>
         </p:spPr>
         <p:txBody>
@@ -3985,7 +3984,7 @@
         <p:spPr bwMode="auto">
           <a:xfrm>
             <a:off x="8991600" y="0"/>
-            <a:ext cx="0" cy="6858000"/>
+            <a:ext cx="0" cy="5143500"/>
           </a:xfrm>
           <a:prstGeom prst="line">
             <a:avLst/>
@@ -4019,7 +4018,7 @@
         <p:spPr bwMode="auto">
           <a:xfrm>
             <a:off x="8839200" y="0"/>
-            <a:ext cx="304800" cy="6858000"/>
+            <a:ext cx="304800" cy="5143500"/>
           </a:xfrm>
           <a:prstGeom prst="rect">
             <a:avLst/>
@@ -4069,7 +4068,7 @@
         <p:spPr bwMode="auto">
           <a:xfrm>
             <a:off x="8915400" y="0"/>
-            <a:ext cx="0" cy="6858000"/>
+            <a:ext cx="0" cy="5143500"/>
           </a:xfrm>
           <a:prstGeom prst="line">
             <a:avLst/>
@@ -4105,7 +4104,7 @@
         <p:spPr bwMode="auto">
           <a:xfrm>
             <a:off x="6248400" y="0"/>
-            <a:ext cx="0" cy="6858000"/>
+            <a:ext cx="0" cy="5143500"/>
           </a:xfrm>
           <a:prstGeom prst="line">
             <a:avLst/>
@@ -4143,7 +4142,7 @@
         <p:spPr bwMode="auto">
           <a:xfrm>
             <a:off x="6192296" y="0"/>
-            <a:ext cx="0" cy="6858000"/>
+            <a:ext cx="0" cy="5143500"/>
           </a:xfrm>
           <a:prstGeom prst="line">
             <a:avLst/>
@@ -4186,7 +4185,7 @@
             <a:fld id="{86B5546F-C09B-4E63-ABC5-F7C86A7E8D66}" type="datetimeFigureOut">
               <a:rPr lang="en-US" smtClean="0"/>
               <a:pPr/>
-              <a:t>8/20/2017</a:t>
+              <a:t>9/28/2019</a:t>
             </a:fld>
             <a:endParaRPr lang="en-US"/>
           </a:p>
@@ -4276,7 +4275,7 @@
         <p:spPr bwMode="auto">
           <a:xfrm>
             <a:off x="8763000" y="0"/>
-            <a:ext cx="0" cy="6858000"/>
+            <a:ext cx="0" cy="5143500"/>
           </a:xfrm>
           <a:prstGeom prst="line">
             <a:avLst/>
@@ -4316,8 +4315,8 @@
         </p:nvSpPr>
         <p:spPr>
           <a:xfrm>
-            <a:off x="457200" y="274638"/>
-            <a:ext cx="7467600" cy="1143000"/>
+            <a:off x="457200" y="205979"/>
+            <a:ext cx="7467600" cy="857250"/>
           </a:xfrm>
           <a:prstGeom prst="rect">
             <a:avLst/>
@@ -4349,8 +4348,8 @@
         </p:nvSpPr>
         <p:spPr>
           <a:xfrm>
-            <a:off x="457200" y="1600200"/>
-            <a:ext cx="7467600" cy="4873752"/>
+            <a:off x="457200" y="1200150"/>
+            <a:ext cx="7467600" cy="3655314"/>
           </a:xfrm>
           <a:prstGeom prst="rect">
             <a:avLst/>
@@ -4411,8 +4410,8 @@
         </p:nvSpPr>
         <p:spPr>
           <a:xfrm rot="5400000">
-            <a:off x="7589520" y="1081851"/>
-            <a:ext cx="2011680" cy="384048"/>
+            <a:off x="7840980" y="763382"/>
+            <a:ext cx="1508760" cy="384048"/>
           </a:xfrm>
           <a:prstGeom prst="rect">
             <a:avLst/>
@@ -4433,7 +4432,7 @@
             <a:fld id="{86B5546F-C09B-4E63-ABC5-F7C86A7E8D66}" type="datetimeFigureOut">
               <a:rPr lang="en-US" smtClean="0"/>
               <a:pPr/>
-              <a:t>8/20/2017</a:t>
+              <a:t>9/28/2019</a:t>
             </a:fld>
             <a:endParaRPr lang="en-US"/>
           </a:p>
@@ -4451,8 +4450,8 @@
         </p:nvSpPr>
         <p:spPr>
           <a:xfrm rot="5400000">
-            <a:off x="6990186" y="3737240"/>
-            <a:ext cx="3200400" cy="365760"/>
+            <a:off x="7390236" y="2757210"/>
+            <a:ext cx="2400300" cy="365760"/>
           </a:xfrm>
           <a:prstGeom prst="rect">
             <a:avLst/>
@@ -4485,7 +4484,7 @@
         <p:spPr bwMode="auto">
           <a:xfrm>
             <a:off x="76200" y="0"/>
-            <a:ext cx="0" cy="6858000"/>
+            <a:ext cx="0" cy="5143500"/>
           </a:xfrm>
           <a:prstGeom prst="line">
             <a:avLst/>
@@ -4523,7 +4522,7 @@
         <p:spPr bwMode="auto">
           <a:xfrm>
             <a:off x="8991600" y="0"/>
-            <a:ext cx="0" cy="6858000"/>
+            <a:ext cx="0" cy="5143500"/>
           </a:xfrm>
           <a:prstGeom prst="line">
             <a:avLst/>
@@ -4557,7 +4556,7 @@
         <p:spPr bwMode="auto">
           <a:xfrm>
             <a:off x="8839200" y="0"/>
-            <a:ext cx="304800" cy="6858000"/>
+            <a:ext cx="304800" cy="5143500"/>
           </a:xfrm>
           <a:prstGeom prst="rect">
             <a:avLst/>
@@ -4608,7 +4607,7 @@
         <p:spPr bwMode="auto">
           <a:xfrm>
             <a:off x="8915400" y="0"/>
-            <a:ext cx="0" cy="6858000"/>
+            <a:ext cx="0" cy="5143500"/>
           </a:xfrm>
           <a:prstGeom prst="line">
             <a:avLst/>
@@ -4641,8 +4640,8 @@
         </p:nvSpPr>
         <p:spPr>
           <a:xfrm>
-            <a:off x="8156448" y="5715000"/>
-            <a:ext cx="548640" cy="548640"/>
+            <a:off x="8156448" y="4286250"/>
+            <a:ext cx="548640" cy="411480"/>
           </a:xfrm>
           <a:prstGeom prst="ellipse">
             <a:avLst/>
@@ -4688,8 +4687,8 @@
         </p:nvSpPr>
         <p:spPr>
           <a:xfrm>
-            <a:off x="8129016" y="5734050"/>
-            <a:ext cx="609600" cy="521208"/>
+            <a:off x="8129016" y="4300538"/>
+            <a:ext cx="609600" cy="390906"/>
           </a:xfrm>
           <a:prstGeom prst="rect">
             <a:avLst/>
@@ -5216,7 +5215,7 @@
         <p:spPr>
           <a:xfrm>
             <a:off x="0" y="0"/>
-            <a:ext cx="9144000" cy="6858000"/>
+            <a:ext cx="8763000" cy="5143500"/>
           </a:xfrm>
         </p:spPr>
         <p:txBody>
@@ -5226,19 +5225,43 @@
           <a:lstStyle/>
           <a:p>
             <a:r>
-              <a:rPr lang="zh-TW" altLang="en-US" sz="6000" dirty="0" smtClean="0">
+              <a:rPr lang="zh-TW" altLang="en-US" sz="4800" dirty="0" smtClean="0">
                 <a:latin typeface="微軟正黑體" pitchFamily="34" charset="-120"/>
                 <a:ea typeface="微軟正黑體" pitchFamily="34" charset="-120"/>
               </a:rPr>
               <a:t>願頌讚歸與我們主耶穌基督的父神！他在基督裡曾賜給我們天上各樣屬靈的福氣：</a:t>
             </a:r>
             <a:r>
-              <a:rPr lang="en-US" altLang="zh-TW" sz="6000" dirty="0" smtClean="0">
+              <a:rPr lang="en-US" altLang="zh-TW" sz="4800" dirty="0" smtClean="0">
                 <a:latin typeface="微軟正黑體" pitchFamily="34" charset="-120"/>
                 <a:ea typeface="微軟正黑體" pitchFamily="34" charset="-120"/>
               </a:rPr>
               <a:t> </a:t>
             </a:r>
+            <a:endParaRPr lang="en-US" altLang="zh-TW" sz="4800" dirty="0" smtClean="0">
+              <a:latin typeface="微軟正黑體" pitchFamily="34" charset="-120"/>
+              <a:ea typeface="微軟正黑體" pitchFamily="34" charset="-120"/>
+            </a:endParaRPr>
+          </a:p>
+          <a:p>
+            <a:r>
+              <a:rPr lang="zh-TW" altLang="en-US" sz="4800" b="1" dirty="0">
+                <a:latin typeface="微軟正黑體" pitchFamily="34" charset="-120"/>
+                <a:ea typeface="微軟正黑體" pitchFamily="34" charset="-120"/>
+              </a:rPr>
+              <a:t>就如神從創立世界以前，在基督裡揀選了我們，使我們在他面前成為聖潔，無有瑕疵</a:t>
+            </a:r>
+            <a:r>
+              <a:rPr lang="zh-TW" altLang="en-US" sz="4800" b="1" dirty="0" smtClean="0">
+                <a:latin typeface="微軟正黑體" pitchFamily="34" charset="-120"/>
+                <a:ea typeface="微軟正黑體" pitchFamily="34" charset="-120"/>
+              </a:rPr>
+              <a:t>；</a:t>
+            </a:r>
+            <a:endParaRPr lang="en-US" sz="4800" b="1" dirty="0">
+              <a:latin typeface="微軟正黑體" pitchFamily="34" charset="-120"/>
+              <a:ea typeface="微軟正黑體" pitchFamily="34" charset="-120"/>
+            </a:endParaRPr>
           </a:p>
         </p:txBody>
       </p:sp>
@@ -5280,23 +5303,23 @@
         <p:spPr>
           <a:xfrm>
             <a:off x="0" y="0"/>
-            <a:ext cx="9144000" cy="6858000"/>
+            <a:ext cx="8763000" cy="5143500"/>
           </a:xfrm>
         </p:spPr>
         <p:txBody>
           <a:bodyPr>
-            <a:noAutofit/>
+            <a:normAutofit/>
           </a:bodyPr>
           <a:lstStyle/>
           <a:p>
             <a:r>
-              <a:rPr lang="zh-TW" altLang="en-US" sz="6000" b="1" dirty="0" smtClean="0">
+              <a:rPr lang="zh-TW" altLang="en-US" sz="4800" dirty="0" smtClean="0">
                 <a:latin typeface="微軟正黑體" pitchFamily="34" charset="-120"/>
                 <a:ea typeface="微軟正黑體" pitchFamily="34" charset="-120"/>
               </a:rPr>
-              <a:t>就如神從創立世界以前，在基督裡揀選了我們，使我們在他面前成為聖潔，無有瑕疵；</a:t>
-            </a:r>
-            <a:endParaRPr lang="en-US" sz="6000" b="1" dirty="0">
+              <a:t>又因愛我們，就按著自己意旨所喜悅的，預定我們藉著耶穌基督得兒子的名分，使他榮耀的恩典得著稱讚；這恩典是他在愛子裡所賜給我們的。</a:t>
+            </a:r>
+            <a:endParaRPr lang="en-US" altLang="zh-TW" sz="4800" dirty="0" smtClean="0">
               <a:latin typeface="微軟正黑體" pitchFamily="34" charset="-120"/>
               <a:ea typeface="微軟正黑體" pitchFamily="34" charset="-120"/>
             </a:endParaRPr>
@@ -5341,26 +5364,42 @@
         <p:spPr>
           <a:xfrm>
             <a:off x="0" y="0"/>
-            <a:ext cx="9144000" cy="6858000"/>
+            <a:ext cx="8763000" cy="5143500"/>
           </a:xfrm>
         </p:spPr>
         <p:txBody>
           <a:bodyPr>
-            <a:normAutofit/>
+            <a:noAutofit/>
           </a:bodyPr>
           <a:lstStyle/>
           <a:p>
             <a:r>
-              <a:rPr lang="zh-TW" altLang="en-US" sz="6000" dirty="0" smtClean="0">
+              <a:rPr lang="zh-TW" altLang="en-US" sz="4800" b="1" dirty="0" smtClean="0">
                 <a:latin typeface="微軟正黑體" pitchFamily="34" charset="-120"/>
                 <a:ea typeface="微軟正黑體" pitchFamily="34" charset="-120"/>
               </a:rPr>
-              <a:t>又因愛我們，就按著自己意旨所喜悅的，預定我們藉著耶穌基督得兒子的名分，使他榮耀的恩典得著稱讚；這恩典是他在愛子裡所賜給我們的。</a:t>
-            </a:r>
-            <a:endParaRPr lang="en-US" altLang="zh-TW" sz="6000" dirty="0" smtClean="0">
+              <a:t>我們藉這愛子的血得蒙救贖，過犯得以赦免，乃是照他豐富的恩典。</a:t>
+            </a:r>
+            <a:endParaRPr lang="en-US" altLang="zh-TW" sz="4800" b="1" dirty="0" smtClean="0">
               <a:latin typeface="微軟正黑體" pitchFamily="34" charset="-120"/>
               <a:ea typeface="微軟正黑體" pitchFamily="34" charset="-120"/>
             </a:endParaRPr>
+          </a:p>
+          <a:p>
+            <a:r>
+              <a:rPr lang="zh-TW" altLang="en-US" sz="4800" dirty="0" smtClean="0">
+                <a:latin typeface="微軟正黑體" pitchFamily="34" charset="-120"/>
+                <a:ea typeface="微軟正黑體" pitchFamily="34" charset="-120"/>
+              </a:rPr>
+              <a:t>因為知道我們的舊人和他同釘十字架，使罪身滅絕叫我們不再作罪的奴僕</a:t>
+            </a:r>
+            <a:r>
+              <a:rPr lang="en-US" altLang="zh-TW" sz="4800" dirty="0" smtClean="0">
+                <a:latin typeface="微軟正黑體" pitchFamily="34" charset="-120"/>
+                <a:ea typeface="微軟正黑體" pitchFamily="34" charset="-120"/>
+              </a:rPr>
+              <a:t> </a:t>
+            </a:r>
           </a:p>
         </p:txBody>
       </p:sp>
@@ -5402,37 +5441,51 @@
         <p:spPr>
           <a:xfrm>
             <a:off x="0" y="0"/>
-            <a:ext cx="9144000" cy="6858000"/>
+            <a:ext cx="8763000" cy="5143500"/>
           </a:xfrm>
         </p:spPr>
         <p:txBody>
           <a:bodyPr>
-            <a:normAutofit/>
+            <a:noAutofit/>
           </a:bodyPr>
           <a:lstStyle/>
           <a:p>
             <a:r>
-              <a:rPr lang="zh-TW" altLang="en-US" sz="6000" b="1" dirty="0" smtClean="0">
+              <a:rPr lang="zh-TW" altLang="en-US" sz="4800" b="1" dirty="0">
                 <a:latin typeface="微軟正黑體" pitchFamily="34" charset="-120"/>
                 <a:ea typeface="微軟正黑體" pitchFamily="34" charset="-120"/>
               </a:rPr>
-              <a:t>我們藉這愛子的血得蒙救贖，過犯得以赦免，乃是照他豐富的恩典。</a:t>
-            </a:r>
-            <a:endParaRPr lang="en-US" altLang="zh-TW" sz="6000" b="1" dirty="0" smtClean="0">
+              <a:t>因為已死的人是脫離了</a:t>
+            </a:r>
+            <a:r>
+              <a:rPr lang="zh-TW" altLang="en-US" sz="4800" b="1" dirty="0" smtClean="0">
+                <a:latin typeface="微軟正黑體" pitchFamily="34" charset="-120"/>
+                <a:ea typeface="微軟正黑體" pitchFamily="34" charset="-120"/>
+              </a:rPr>
+              <a:t>罪</a:t>
+            </a:r>
+            <a:endParaRPr lang="en-US" altLang="zh-TW" sz="4800" dirty="0" smtClean="0">
               <a:latin typeface="微軟正黑體" pitchFamily="34" charset="-120"/>
               <a:ea typeface="微軟正黑體" pitchFamily="34" charset="-120"/>
             </a:endParaRPr>
           </a:p>
           <a:p>
             <a:r>
-              <a:rPr lang="zh-TW" altLang="en-US" sz="6000" dirty="0" smtClean="0">
+              <a:rPr lang="zh-TW" altLang="en-US" sz="4800" dirty="0" smtClean="0">
                 <a:latin typeface="微軟正黑體" pitchFamily="34" charset="-120"/>
                 <a:ea typeface="微軟正黑體" pitchFamily="34" charset="-120"/>
               </a:rPr>
-              <a:t>因為知道我們的舊人和他同釘十字架，使罪身滅絕叫我們不再作罪的奴僕</a:t>
-            </a:r>
-            <a:r>
-              <a:rPr lang="en-US" altLang="zh-TW" sz="6000" dirty="0" smtClean="0">
+              <a:t>我</a:t>
+            </a:r>
+            <a:r>
+              <a:rPr lang="zh-TW" altLang="en-US" sz="4800" dirty="0" smtClean="0">
+                <a:latin typeface="微軟正黑體" pitchFamily="34" charset="-120"/>
+                <a:ea typeface="微軟正黑體" pitchFamily="34" charset="-120"/>
+              </a:rPr>
+              <a:t>們若是與基督同死，就信必與他同活。</a:t>
+            </a:r>
+            <a:r>
+              <a:rPr lang="en-US" altLang="zh-TW" sz="4800" dirty="0" smtClean="0">
                 <a:latin typeface="微軟正黑體" pitchFamily="34" charset="-120"/>
                 <a:ea typeface="微軟正黑體" pitchFamily="34" charset="-120"/>
               </a:rPr>
@@ -5441,13 +5494,13 @@
           </a:p>
           <a:p>
             <a:r>
-              <a:rPr lang="zh-TW" altLang="en-US" sz="6000" b="1" dirty="0" smtClean="0">
+              <a:rPr lang="zh-TW" altLang="en-US" sz="4800" b="1" dirty="0" smtClean="0">
                 <a:latin typeface="微軟正黑體" pitchFamily="34" charset="-120"/>
                 <a:ea typeface="微軟正黑體" pitchFamily="34" charset="-120"/>
               </a:rPr>
-              <a:t>因為已死的人是脫離了罪</a:t>
-            </a:r>
-            <a:endParaRPr lang="en-US" altLang="zh-TW" sz="6000" b="1" dirty="0" smtClean="0">
+              <a:t>因為知道基督既從死裡復活，就不再死，死也不再作他的主了。</a:t>
+            </a:r>
+            <a:endParaRPr lang="en-US" altLang="zh-TW" sz="4800" b="1" dirty="0" smtClean="0">
               <a:latin typeface="微軟正黑體" pitchFamily="34" charset="-120"/>
               <a:ea typeface="微軟正黑體" pitchFamily="34" charset="-120"/>
             </a:endParaRPr>
@@ -5492,84 +5545,7 @@
         <p:spPr>
           <a:xfrm>
             <a:off x="0" y="0"/>
-            <a:ext cx="9144000" cy="6858000"/>
-          </a:xfrm>
-        </p:spPr>
-        <p:txBody>
-          <a:bodyPr>
-            <a:noAutofit/>
-          </a:bodyPr>
-          <a:lstStyle/>
-          <a:p>
-            <a:r>
-              <a:rPr lang="zh-TW" altLang="en-US" sz="6000" dirty="0" smtClean="0">
-                <a:latin typeface="微軟正黑體" pitchFamily="34" charset="-120"/>
-                <a:ea typeface="微軟正黑體" pitchFamily="34" charset="-120"/>
-              </a:rPr>
-              <a:t>我們若是與基督同死，就信必與他同活。</a:t>
-            </a:r>
-            <a:r>
-              <a:rPr lang="en-US" altLang="zh-TW" sz="6000" dirty="0" smtClean="0">
-                <a:latin typeface="微軟正黑體" pitchFamily="34" charset="-120"/>
-                <a:ea typeface="微軟正黑體" pitchFamily="34" charset="-120"/>
-              </a:rPr>
-              <a:t> </a:t>
-            </a:r>
-          </a:p>
-          <a:p>
-            <a:r>
-              <a:rPr lang="zh-TW" altLang="en-US" sz="6000" b="1" dirty="0" smtClean="0">
-                <a:latin typeface="微軟正黑體" pitchFamily="34" charset="-120"/>
-                <a:ea typeface="微軟正黑體" pitchFamily="34" charset="-120"/>
-              </a:rPr>
-              <a:t>因為知道基督既從死裡復活，就不再死，死也不再作他的主了。</a:t>
-            </a:r>
-            <a:endParaRPr lang="en-US" altLang="zh-TW" sz="6000" b="1" dirty="0" smtClean="0">
-              <a:latin typeface="微軟正黑體" pitchFamily="34" charset="-120"/>
-              <a:ea typeface="微軟正黑體" pitchFamily="34" charset="-120"/>
-            </a:endParaRPr>
-          </a:p>
-        </p:txBody>
-      </p:sp>
-    </p:spTree>
-  </p:cSld>
-  <p:clrMapOvr>
-    <a:masterClrMapping/>
-  </p:clrMapOvr>
-</p:sld>
-</file>
-
-<file path=ppt/slides/slide7.xml><?xml version="1.0" encoding="utf-8"?>
-<p:sld xmlns:a="http://schemas.openxmlformats.org/drawingml/2006/main" xmlns:r="http://schemas.openxmlformats.org/officeDocument/2006/relationships" xmlns:p="http://schemas.openxmlformats.org/presentationml/2006/main">
-  <p:cSld>
-    <p:spTree>
-      <p:nvGrpSpPr>
-        <p:cNvPr id="1" name=""/>
-        <p:cNvGrpSpPr/>
-        <p:nvPr/>
-      </p:nvGrpSpPr>
-      <p:grpSpPr>
-        <a:xfrm>
-          <a:off x="0" y="0"/>
-          <a:ext cx="0" cy="0"/>
-          <a:chOff x="0" y="0"/>
-          <a:chExt cx="0" cy="0"/>
-        </a:xfrm>
-      </p:grpSpPr>
-      <p:sp>
-        <p:nvSpPr>
-          <p:cNvPr id="3" name="Content Placeholder 2"/>
-          <p:cNvSpPr>
-            <a:spLocks noGrp="1"/>
-          </p:cNvSpPr>
-          <p:nvPr>
-            <p:ph sz="quarter" idx="1"/>
-          </p:nvPr>
-        </p:nvSpPr>
-        <p:spPr>
-          <a:xfrm>
-            <a:off x="0" y="0"/>
-            <a:ext cx="9144000" cy="6858000"/>
+            <a:ext cx="8763000" cy="5143500"/>
           </a:xfrm>
         </p:spPr>
         <p:txBody>
@@ -5579,26 +5555,26 @@
           <a:lstStyle/>
           <a:p>
             <a:r>
-              <a:rPr lang="zh-TW" altLang="en-US" sz="6000" dirty="0" smtClean="0">
+              <a:rPr lang="zh-TW" altLang="en-US" sz="4800" dirty="0" smtClean="0">
                 <a:latin typeface="微軟正黑體" pitchFamily="34" charset="-120"/>
                 <a:ea typeface="微軟正黑體" pitchFamily="34" charset="-120"/>
               </a:rPr>
               <a:t>知道你們得贖，脫去你們祖宗所傳流虛妄的行為，不是憑著能壞的金銀等物，</a:t>
             </a:r>
-            <a:endParaRPr lang="en-US" altLang="zh-TW" sz="6000" b="1" dirty="0" smtClean="0">
+            <a:endParaRPr lang="en-US" altLang="zh-TW" sz="4800" b="1" dirty="0" smtClean="0">
               <a:latin typeface="微軟正黑體" pitchFamily="34" charset="-120"/>
               <a:ea typeface="微軟正黑體" pitchFamily="34" charset="-120"/>
             </a:endParaRPr>
           </a:p>
           <a:p>
             <a:r>
-              <a:rPr lang="zh-TW" altLang="en-US" sz="6000" b="1" dirty="0" smtClean="0">
+              <a:rPr lang="zh-TW" altLang="en-US" sz="4800" b="1" dirty="0" smtClean="0">
                 <a:latin typeface="微軟正黑體" pitchFamily="34" charset="-120"/>
                 <a:ea typeface="微軟正黑體" pitchFamily="34" charset="-120"/>
               </a:rPr>
               <a:t>乃是憑著基督的寶血，如同無瑕疵、無玷污的羔羊之血。</a:t>
             </a:r>
-            <a:endParaRPr lang="en-US" altLang="zh-TW" sz="6000" b="1" dirty="0" smtClean="0">
+            <a:endParaRPr lang="en-US" altLang="zh-TW" sz="4800" b="1" dirty="0" smtClean="0">
               <a:latin typeface="微軟正黑體" pitchFamily="34" charset="-120"/>
               <a:ea typeface="微軟正黑體" pitchFamily="34" charset="-120"/>
             </a:endParaRPr>
